--- a/News_2/News.pptx
+++ b/News_2/News.pptx
@@ -10,7 +10,8 @@
     <p:sldId id="273" r:id="rId4"/>
     <p:sldId id="272" r:id="rId5"/>
     <p:sldId id="271" r:id="rId6"/>
-    <p:sldId id="265" r:id="rId7"/>
+    <p:sldId id="274" r:id="rId7"/>
+    <p:sldId id="265" r:id="rId8"/>
   </p:sldIdLst>
   <p:sldSz cx="12192000" cy="6858000"/>
   <p:notesSz cx="6858000" cy="9144000"/>
@@ -111,7 +112,7 @@
   </p:defaultTextStyle>
   <p:extLst>
     <p:ext uri="{EFAFB233-063F-42B5-8137-9DF3F51BA10A}">
-      <p15:sldGuideLst xmlns:p15="http://schemas.microsoft.com/office/powerpoint/2012/main">
+      <p15:sldGuideLst xmlns:p15="http://schemas.microsoft.com/office/powerpoint/2012/main" xmlns="">
         <p15:guide id="1" orient="horz" pos="2160">
           <p15:clr>
             <a:srgbClr val="A4A3A4"/>
@@ -850,7 +851,7 @@
           <a:p>
             <a:fld id="{252F7152-2E34-4CF8-96E1-9C0B6BE1AFF1}" type="datetimeFigureOut">
               <a:rPr lang="ru-RU" smtClean="0"/>
-              <a:t>13.05.2015</a:t>
+              <a:t>14.05.2015</a:t>
             </a:fld>
             <a:endParaRPr lang="ru-RU"/>
           </a:p>
@@ -1101,7 +1102,7 @@
           <a:p>
             <a:fld id="{252F7152-2E34-4CF8-96E1-9C0B6BE1AFF1}" type="datetimeFigureOut">
               <a:rPr lang="ru-RU" smtClean="0"/>
-              <a:t>13.05.2015</a:t>
+              <a:t>14.05.2015</a:t>
             </a:fld>
             <a:endParaRPr lang="ru-RU"/>
           </a:p>
@@ -1415,7 +1416,7 @@
           <a:p>
             <a:fld id="{252F7152-2E34-4CF8-96E1-9C0B6BE1AFF1}" type="datetimeFigureOut">
               <a:rPr lang="ru-RU" smtClean="0"/>
-              <a:t>13.05.2015</a:t>
+              <a:t>14.05.2015</a:t>
             </a:fld>
             <a:endParaRPr lang="ru-RU"/>
           </a:p>
@@ -1756,7 +1757,7 @@
           <a:p>
             <a:fld id="{252F7152-2E34-4CF8-96E1-9C0B6BE1AFF1}" type="datetimeFigureOut">
               <a:rPr lang="ru-RU" smtClean="0"/>
-              <a:t>13.05.2015</a:t>
+              <a:t>14.05.2015</a:t>
             </a:fld>
             <a:endParaRPr lang="ru-RU"/>
           </a:p>
@@ -2070,7 +2071,7 @@
           <a:p>
             <a:fld id="{252F7152-2E34-4CF8-96E1-9C0B6BE1AFF1}" type="datetimeFigureOut">
               <a:rPr lang="ru-RU" smtClean="0"/>
-              <a:t>13.05.2015</a:t>
+              <a:t>14.05.2015</a:t>
             </a:fld>
             <a:endParaRPr lang="ru-RU"/>
           </a:p>
@@ -2463,7 +2464,7 @@
           <a:p>
             <a:fld id="{252F7152-2E34-4CF8-96E1-9C0B6BE1AFF1}" type="datetimeFigureOut">
               <a:rPr lang="ru-RU" smtClean="0"/>
-              <a:t>13.05.2015</a:t>
+              <a:t>14.05.2015</a:t>
             </a:fld>
             <a:endParaRPr lang="ru-RU"/>
           </a:p>
@@ -2633,7 +2634,7 @@
           <a:p>
             <a:fld id="{252F7152-2E34-4CF8-96E1-9C0B6BE1AFF1}" type="datetimeFigureOut">
               <a:rPr lang="ru-RU" smtClean="0"/>
-              <a:t>13.05.2015</a:t>
+              <a:t>14.05.2015</a:t>
             </a:fld>
             <a:endParaRPr lang="ru-RU"/>
           </a:p>
@@ -2813,7 +2814,7 @@
           <a:p>
             <a:fld id="{252F7152-2E34-4CF8-96E1-9C0B6BE1AFF1}" type="datetimeFigureOut">
               <a:rPr lang="ru-RU" smtClean="0"/>
-              <a:t>13.05.2015</a:t>
+              <a:t>14.05.2015</a:t>
             </a:fld>
             <a:endParaRPr lang="ru-RU"/>
           </a:p>
@@ -2989,7 +2990,7 @@
           <a:p>
             <a:fld id="{252F7152-2E34-4CF8-96E1-9C0B6BE1AFF1}" type="datetimeFigureOut">
               <a:rPr lang="ru-RU" smtClean="0"/>
-              <a:t>13.05.2015</a:t>
+              <a:t>14.05.2015</a:t>
             </a:fld>
             <a:endParaRPr lang="ru-RU"/>
           </a:p>
@@ -3236,7 +3237,7 @@
           <a:p>
             <a:fld id="{252F7152-2E34-4CF8-96E1-9C0B6BE1AFF1}" type="datetimeFigureOut">
               <a:rPr lang="ru-RU" smtClean="0"/>
-              <a:t>13.05.2015</a:t>
+              <a:t>14.05.2015</a:t>
             </a:fld>
             <a:endParaRPr lang="ru-RU"/>
           </a:p>
@@ -3468,7 +3469,7 @@
           <a:p>
             <a:fld id="{252F7152-2E34-4CF8-96E1-9C0B6BE1AFF1}" type="datetimeFigureOut">
               <a:rPr lang="ru-RU" smtClean="0"/>
-              <a:t>13.05.2015</a:t>
+              <a:t>14.05.2015</a:t>
             </a:fld>
             <a:endParaRPr lang="ru-RU"/>
           </a:p>
@@ -3842,7 +3843,7 @@
           <a:p>
             <a:fld id="{252F7152-2E34-4CF8-96E1-9C0B6BE1AFF1}" type="datetimeFigureOut">
               <a:rPr lang="ru-RU" smtClean="0"/>
-              <a:t>13.05.2015</a:t>
+              <a:t>14.05.2015</a:t>
             </a:fld>
             <a:endParaRPr lang="ru-RU"/>
           </a:p>
@@ -3965,7 +3966,7 @@
           <a:p>
             <a:fld id="{252F7152-2E34-4CF8-96E1-9C0B6BE1AFF1}" type="datetimeFigureOut">
               <a:rPr lang="ru-RU" smtClean="0"/>
-              <a:t>13.05.2015</a:t>
+              <a:t>14.05.2015</a:t>
             </a:fld>
             <a:endParaRPr lang="ru-RU"/>
           </a:p>
@@ -4060,7 +4061,7 @@
           <a:p>
             <a:fld id="{252F7152-2E34-4CF8-96E1-9C0B6BE1AFF1}" type="datetimeFigureOut">
               <a:rPr lang="ru-RU" smtClean="0"/>
-              <a:t>13.05.2015</a:t>
+              <a:t>14.05.2015</a:t>
             </a:fld>
             <a:endParaRPr lang="ru-RU"/>
           </a:p>
@@ -4315,7 +4316,7 @@
           <a:p>
             <a:fld id="{252F7152-2E34-4CF8-96E1-9C0B6BE1AFF1}" type="datetimeFigureOut">
               <a:rPr lang="ru-RU" smtClean="0"/>
-              <a:t>13.05.2015</a:t>
+              <a:t>14.05.2015</a:t>
             </a:fld>
             <a:endParaRPr lang="ru-RU"/>
           </a:p>
@@ -4578,7 +4579,7 @@
           <a:p>
             <a:fld id="{252F7152-2E34-4CF8-96E1-9C0B6BE1AFF1}" type="datetimeFigureOut">
               <a:rPr lang="ru-RU" smtClean="0"/>
-              <a:t>13.05.2015</a:t>
+              <a:t>14.05.2015</a:t>
             </a:fld>
             <a:endParaRPr lang="ru-RU"/>
           </a:p>
@@ -5321,7 +5322,7 @@
           <a:p>
             <a:fld id="{252F7152-2E34-4CF8-96E1-9C0B6BE1AFF1}" type="datetimeFigureOut">
               <a:rPr lang="ru-RU" smtClean="0"/>
-              <a:t>13.05.2015</a:t>
+              <a:t>14.05.2015</a:t>
             </a:fld>
             <a:endParaRPr lang="ru-RU"/>
           </a:p>
@@ -6036,15 +6037,19 @@
               <a:rPr lang="en-US" dirty="0" smtClean="0"/>
               <a:t>core</a:t>
             </a:r>
+            <a:endParaRPr lang="ru-RU" dirty="0" smtClean="0"/>
+          </a:p>
+          <a:p>
+            <a:r>
+              <a:rPr lang="en-US" dirty="0"/>
+              <a:t>Real-world theories and science</a:t>
+            </a:r>
+            <a:endParaRPr lang="en-US" dirty="0" smtClean="0"/>
           </a:p>
           <a:p>
             <a:r>
               <a:rPr lang="en-US" dirty="0" smtClean="0"/>
-              <a:t>Concluding </a:t>
-            </a:r>
-            <a:r>
-              <a:rPr lang="en-US" dirty="0" smtClean="0"/>
-              <a:t>comments</a:t>
+              <a:t>Concluding comments</a:t>
             </a:r>
           </a:p>
         </p:txBody>
@@ -6238,7 +6243,6 @@
               <a:rPr lang="en-US" dirty="0"/>
               <a:t> by many orders of magnitude</a:t>
             </a:r>
-            <a:endParaRPr lang="en-US" dirty="0"/>
           </a:p>
         </p:txBody>
       </p:sp>
@@ -6391,7 +6395,6 @@
               <a:rPr lang="en-US" dirty="0" smtClean="0"/>
               <a:t>energy</a:t>
             </a:r>
-            <a:endParaRPr lang="en-US" dirty="0" smtClean="0"/>
           </a:p>
         </p:txBody>
       </p:sp>
@@ -6640,6 +6643,117 @@
 </file>
 
 <file path=ppt/slides/slide6.xml><?xml version="1.0" encoding="utf-8"?>
+<p:sld xmlns:a="http://schemas.openxmlformats.org/drawingml/2006/main" xmlns:r="http://schemas.openxmlformats.org/officeDocument/2006/relationships" xmlns:p="http://schemas.openxmlformats.org/presentationml/2006/main">
+  <p:cSld>
+    <p:spTree>
+      <p:nvGrpSpPr>
+        <p:cNvPr id="1" name=""/>
+        <p:cNvGrpSpPr/>
+        <p:nvPr/>
+      </p:nvGrpSpPr>
+      <p:grpSpPr>
+        <a:xfrm>
+          <a:off x="0" y="0"/>
+          <a:ext cx="0" cy="0"/>
+          <a:chOff x="0" y="0"/>
+          <a:chExt cx="0" cy="0"/>
+        </a:xfrm>
+      </p:grpSpPr>
+      <p:sp>
+        <p:nvSpPr>
+          <p:cNvPr id="2" name="Заголовок 1"/>
+          <p:cNvSpPr>
+            <a:spLocks noGrp="1"/>
+          </p:cNvSpPr>
+          <p:nvPr>
+            <p:ph type="title"/>
+          </p:nvPr>
+        </p:nvSpPr>
+        <p:spPr/>
+        <p:txBody>
+          <a:bodyPr/>
+          <a:lstStyle/>
+          <a:p>
+            <a:pPr algn="ctr"/>
+            <a:r>
+              <a:rPr lang="en-US" dirty="0"/>
+              <a:t>Concluding comments</a:t>
+            </a:r>
+          </a:p>
+        </p:txBody>
+      </p:sp>
+      <p:sp>
+        <p:nvSpPr>
+          <p:cNvPr id="6" name="Объект 2"/>
+          <p:cNvSpPr>
+            <a:spLocks noGrp="1"/>
+          </p:cNvSpPr>
+          <p:nvPr>
+            <p:ph idx="1"/>
+          </p:nvPr>
+        </p:nvSpPr>
+        <p:spPr>
+          <a:xfrm>
+            <a:off x="677334" y="1930400"/>
+            <a:ext cx="8596668" cy="3692733"/>
+          </a:xfrm>
+        </p:spPr>
+        <p:txBody>
+          <a:bodyPr>
+            <a:normAutofit/>
+          </a:bodyPr>
+          <a:lstStyle/>
+          <a:p>
+            <a:r>
+              <a:rPr lang="en-US" dirty="0"/>
+              <a:t>Ever since the sound barrier was broken, people have turned their attention to how we can break the light speed </a:t>
+            </a:r>
+            <a:r>
+              <a:rPr lang="en-US" dirty="0" smtClean="0"/>
+              <a:t>barrier</a:t>
+            </a:r>
+            <a:endParaRPr lang="ru-RU" dirty="0" smtClean="0"/>
+          </a:p>
+          <a:p>
+            <a:endParaRPr lang="ru-RU" dirty="0"/>
+          </a:p>
+          <a:p>
+            <a:endParaRPr lang="ru-RU" dirty="0" smtClean="0"/>
+          </a:p>
+          <a:p>
+            <a:r>
+              <a:rPr lang="en-US" dirty="0" smtClean="0"/>
+              <a:t>But </a:t>
+            </a:r>
+            <a:r>
+              <a:rPr lang="en-US" dirty="0"/>
+              <a:t>“Warp Drive” or any other term for faster-than-light travel still remains at the level of speculation and for the near future, warp drive remains a dream</a:t>
+            </a:r>
+            <a:endParaRPr lang="en-US" dirty="0"/>
+          </a:p>
+        </p:txBody>
+      </p:sp>
+    </p:spTree>
+    <p:extLst>
+      <p:ext uri="{BB962C8B-B14F-4D97-AF65-F5344CB8AC3E}">
+        <p14:creationId xmlns:p14="http://schemas.microsoft.com/office/powerpoint/2010/main" val="3643544035"/>
+      </p:ext>
+    </p:extLst>
+  </p:cSld>
+  <p:clrMapOvr>
+    <a:masterClrMapping/>
+  </p:clrMapOvr>
+  <p:timing>
+    <p:tnLst>
+      <p:par>
+        <p:cTn id="1" dur="indefinite" restart="never" nodeType="tmRoot"/>
+      </p:par>
+    </p:tnLst>
+  </p:timing>
+</p:sld>
+</file>
+
+<file path=ppt/slides/slide7.xml><?xml version="1.0" encoding="utf-8"?>
 <p:sld xmlns:a="http://schemas.openxmlformats.org/drawingml/2006/main" xmlns:r="http://schemas.openxmlformats.org/officeDocument/2006/relationships" xmlns:p="http://schemas.openxmlformats.org/presentationml/2006/main">
   <p:cSld>
     <p:spTree>
@@ -6956,7 +7070,7 @@
   <a:extraClrSchemeLst/>
   <a:extLst>
     <a:ext uri="{05A4C25C-085E-4340-85A3-A5531E510DB2}">
-      <thm15:themeFamily xmlns:thm15="http://schemas.microsoft.com/office/thememl/2012/main" name="Facet" id="{C0C680CD-088A-49FC-A102-D699147F32B2}" vid="{CFBC31BA-B70F-4F30-BCAA-4F3011E16C4D}"/>
+      <thm15:themeFamily xmlns:thm15="http://schemas.microsoft.com/office/thememl/2012/main" xmlns="" name="Facet" id="{C0C680CD-088A-49FC-A102-D699147F32B2}" vid="{CFBC31BA-B70F-4F30-BCAA-4F3011E16C4D}"/>
     </a:ext>
   </a:extLst>
 </a:theme>
